--- a/GAN-Naan-Mudhalvan-Handwritten-Digit-Generation.pptx
+++ b/GAN-Naan-Mudhalvan-Handwritten-Digit-Generation.pptx
@@ -2575,8 +2575,8 @@
         </p:nvSpPr>
         <p:spPr>
           <a:xfrm>
-            <a:off x="3167042" y="1428736"/>
-            <a:ext cx="6210320" cy="1001556"/>
+            <a:off x="2452662" y="1857364"/>
+            <a:ext cx="7015226" cy="1001556"/>
           </a:xfrm>
           <a:prstGeom prst="rect">
             <a:avLst/>
@@ -2661,7 +2661,7 @@
         </p:nvSpPr>
         <p:spPr>
           <a:xfrm>
-            <a:off x="6453190" y="2500306"/>
+            <a:off x="6484620" y="2821622"/>
             <a:ext cx="1859280" cy="391795"/>
           </a:xfrm>
           <a:prstGeom prst="rect">
@@ -3484,35 +3484,6 @@
           <a:chExt cx="0" cy="0"/>
         </a:xfrm>
       </p:grpSpPr>
-      <p:pic>
-        <p:nvPicPr>
-          <p:cNvPr id="6" name="Picture 5">
-            <a:extLst>
-              <a:ext uri="{FF2B5EF4-FFF2-40B4-BE49-F238E27FC236}">
-                <a16:creationId xmlns:a16="http://schemas.microsoft.com/office/drawing/2014/main" xmlns="" id="{4C79A3F7-0F50-DEB9-65C2-906AFDE9208A}"/>
-              </a:ext>
-            </a:extLst>
-          </p:cNvPr>
-          <p:cNvPicPr>
-            <a:picLocks noChangeAspect="1"/>
-          </p:cNvPicPr>
-          <p:nvPr/>
-        </p:nvPicPr>
-        <p:blipFill rotWithShape="1">
-          <a:blip r:embed="rId2"/>
-          <a:srcRect t="15529"/>
-          <a:stretch/>
-        </p:blipFill>
-        <p:spPr>
-          <a:xfrm>
-            <a:off x="683259" y="2799431"/>
-            <a:ext cx="6172200" cy="2791744"/>
-          </a:xfrm>
-          <a:prstGeom prst="rect">
-            <a:avLst/>
-          </a:prstGeom>
-        </p:spPr>
-      </p:pic>
       <p:sp>
         <p:nvSpPr>
           <p:cNvPr id="2" name="object 2"/>
@@ -3893,7 +3864,7 @@
       <p:sp>
         <p:nvSpPr>
           <p:cNvPr id="8" name="object 8">
-            <a:hlinkClick r:id="rId3"/>
+            <a:hlinkClick r:id="rId2"/>
           </p:cNvPr>
           <p:cNvSpPr txBox="1"/>
           <p:nvPr/>
@@ -3933,7 +3904,7 @@
                 </a:uFill>
                 <a:latin typeface="Trebuchet MS"/>
                 <a:cs typeface="Trebuchet MS"/>
-                <a:hlinkClick r:id="rId4"/>
+                <a:hlinkClick r:id="rId3"/>
               </a:rPr>
               <a:t>Demo</a:t>
             </a:r>
@@ -3949,7 +3920,7 @@
                 </a:uFill>
                 <a:latin typeface="Trebuchet MS"/>
                 <a:cs typeface="Trebuchet MS"/>
-                <a:hlinkClick r:id="rId4"/>
+                <a:hlinkClick r:id="rId3"/>
               </a:rPr>
               <a:t> </a:t>
             </a:r>
@@ -3976,70 +3947,6 @@
           </a:p>
         </p:txBody>
       </p:sp>
-      <p:pic>
-        <p:nvPicPr>
-          <p:cNvPr id="11" name="Picture 10">
-            <a:extLst>
-              <a:ext uri="{FF2B5EF4-FFF2-40B4-BE49-F238E27FC236}">
-                <a16:creationId xmlns:a16="http://schemas.microsoft.com/office/drawing/2014/main" xmlns="" id="{1B0B9FB0-0890-423A-9D61-117CB2192801}"/>
-              </a:ext>
-            </a:extLst>
-          </p:cNvPr>
-          <p:cNvPicPr>
-            <a:picLocks noChangeAspect="1"/>
-          </p:cNvPicPr>
-          <p:nvPr/>
-        </p:nvPicPr>
-        <p:blipFill rotWithShape="1">
-          <a:blip r:embed="rId5">
-            <a:extLst>
-              <a:ext uri="{28A0092B-C50C-407E-A947-70E740481C1C}">
-                <a14:useLocalDpi xmlns:a14="http://schemas.microsoft.com/office/drawing/2010/main" xmlns="" val="0"/>
-              </a:ext>
-            </a:extLst>
-          </a:blip>
-          <a:srcRect r="11776"/>
-          <a:stretch/>
-        </p:blipFill>
-        <p:spPr>
-          <a:xfrm>
-            <a:off x="888285" y="2013443"/>
-            <a:ext cx="3991769" cy="646370"/>
-          </a:xfrm>
-          <a:prstGeom prst="rect">
-            <a:avLst/>
-          </a:prstGeom>
-        </p:spPr>
-      </p:pic>
-      <p:pic>
-        <p:nvPicPr>
-          <p:cNvPr id="10" name="Content Placeholder 5">
-            <a:extLst>
-              <a:ext uri="{FF2B5EF4-FFF2-40B4-BE49-F238E27FC236}">
-                <a16:creationId xmlns:a16="http://schemas.microsoft.com/office/drawing/2014/main" xmlns="" id="{BB63985B-27A9-1A8E-AD20-FC60CA0C9F16}"/>
-              </a:ext>
-            </a:extLst>
-          </p:cNvPr>
-          <p:cNvPicPr>
-            <a:picLocks noChangeAspect="1"/>
-          </p:cNvPicPr>
-          <p:nvPr/>
-        </p:nvPicPr>
-        <p:blipFill rotWithShape="1">
-          <a:blip r:embed="rId6"/>
-          <a:srcRect t="2030" r="8152"/>
-          <a:stretch/>
-        </p:blipFill>
-        <p:spPr>
-          <a:xfrm>
-            <a:off x="5334000" y="1914332"/>
-            <a:ext cx="4724400" cy="3676843"/>
-          </a:xfrm>
-          <a:prstGeom prst="rect">
-            <a:avLst/>
-          </a:prstGeom>
-        </p:spPr>
-      </p:pic>
       <p:sp>
         <p:nvSpPr>
           <p:cNvPr id="13" name="object 4">
@@ -4096,6 +4003,72 @@
           </a:p>
         </p:txBody>
       </p:sp>
+      <p:pic>
+        <p:nvPicPr>
+          <p:cNvPr id="1026" name="Picture 2"/>
+          <p:cNvPicPr>
+            <a:picLocks noChangeAspect="1" noChangeArrowheads="1"/>
+          </p:cNvPicPr>
+          <p:nvPr/>
+        </p:nvPicPr>
+        <p:blipFill>
+          <a:blip r:embed="rId5"/>
+          <a:srcRect/>
+          <a:stretch>
+            <a:fillRect/>
+          </a:stretch>
+        </p:blipFill>
+        <p:spPr bwMode="auto">
+          <a:xfrm>
+            <a:off x="1166778" y="2928934"/>
+            <a:ext cx="7475537" cy="3040063"/>
+          </a:xfrm>
+          <a:prstGeom prst="rect">
+            <a:avLst/>
+          </a:prstGeom>
+          <a:noFill/>
+          <a:ln w="9525">
+            <a:noFill/>
+            <a:miter lim="800000"/>
+            <a:headEnd/>
+            <a:tailEnd/>
+          </a:ln>
+          <a:effectLst/>
+        </p:spPr>
+      </p:pic>
+      <p:pic>
+        <p:nvPicPr>
+          <p:cNvPr id="1027" name="Picture 3"/>
+          <p:cNvPicPr>
+            <a:picLocks noChangeAspect="1" noChangeArrowheads="1"/>
+          </p:cNvPicPr>
+          <p:nvPr/>
+        </p:nvPicPr>
+        <p:blipFill>
+          <a:blip r:embed="rId6"/>
+          <a:srcRect/>
+          <a:stretch>
+            <a:fillRect/>
+          </a:stretch>
+        </p:blipFill>
+        <p:spPr bwMode="auto">
+          <a:xfrm>
+            <a:off x="738150" y="1214422"/>
+            <a:ext cx="4714908" cy="1478990"/>
+          </a:xfrm>
+          <a:prstGeom prst="rect">
+            <a:avLst/>
+          </a:prstGeom>
+          <a:noFill/>
+          <a:ln w="9525">
+            <a:noFill/>
+            <a:miter lim="800000"/>
+            <a:headEnd/>
+            <a:tailEnd/>
+          </a:ln>
+          <a:effectLst/>
+        </p:spPr>
+      </p:pic>
     </p:spTree>
     <p:extLst>
       <p:ext uri="{BB962C8B-B14F-4D97-AF65-F5344CB8AC3E}">
